--- a/media/before_fetch/new.pptx
+++ b/media/before_fetch/new.pptx
@@ -4243,10 +4243,10 @@
         </p:nvGrpSpPr>
         <p:grpSpPr>
           <a:xfrm>
-            <a:off x="1629975" y="707089"/>
-            <a:ext cx="5884050" cy="4416728"/>
-            <a:chOff x="2165488" y="310343"/>
-            <a:chExt cx="7845400" cy="5888970"/>
+            <a:off x="3229306" y="6320442"/>
+            <a:ext cx="3365000" cy="327472"/>
+            <a:chOff x="4823840" y="5895245"/>
+            <a:chExt cx="4455819" cy="304068"/>
           </a:xfrm>
         </p:grpSpPr>
         <p:sp>
@@ -4429,286 +4429,216 @@
             </a:fontRef>
           </p:style>
         </p:cxnSp>
-        <p:sp>
-          <p:nvSpPr>
-            <p:cNvPr id="13" name="TextBox 12">
-              <a:extLst>
-                <a:ext uri="{FF2B5EF4-FFF2-40B4-BE49-F238E27FC236}">
-                  <a16:creationId xmlns:a16="http://schemas.microsoft.com/office/drawing/2014/main" id="{ADA134C2-DC81-4909-9D7E-FDBE11D09673}"/>
-                </a:ext>
-              </a:extLst>
-            </p:cNvPr>
-            <p:cNvSpPr txBox="1"/>
-            <p:nvPr/>
-          </p:nvSpPr>
-          <p:spPr>
-            <a:xfrm>
-              <a:off x="2165488" y="310343"/>
-              <a:ext cx="6050803" cy="1769714"/>
-            </a:xfrm>
-            <a:prstGeom prst="rect">
-              <a:avLst/>
-            </a:prstGeom>
-            <a:noFill/>
-          </p:spPr>
-          <p:txBody>
-            <a:bodyPr wrap="none" lIns="0" tIns="0" rIns="0" bIns="0" rtlCol="0">
-              <a:spAutoFit/>
-            </a:bodyPr>
-            <a:lstStyle/>
-            <a:p>
-              <a:r>
-                <a:rPr lang="en-US" sz="8625" dirty="0">
-                  <a:solidFill>
-                    <a:schemeClr val="tx1">
-                      <a:lumMod val="85000"/>
-                      <a:lumOff val="15000"/>
-                    </a:schemeClr>
-                  </a:solidFill>
-                  <a:latin typeface="Old English Text MT" panose="03040902040508030806" pitchFamily="66" charset="0"/>
-                  <a:cs typeface="Segoe UI" panose="020B0502040204020203" pitchFamily="34" charset="0"/>
-                </a:rPr>
-                <a:t>Certificate</a:t>
-              </a:r>
-            </a:p>
-          </p:txBody>
-        </p:sp>
-        <p:grpSp>
-          <p:nvGrpSpPr>
-            <p:cNvPr id="27" name="Group 26">
-              <a:extLst>
-                <a:ext uri="{FF2B5EF4-FFF2-40B4-BE49-F238E27FC236}">
-                  <a16:creationId xmlns:a16="http://schemas.microsoft.com/office/drawing/2014/main" id="{D5921038-631C-40F8-B75C-2D270807D4E2}"/>
-                </a:ext>
-              </a:extLst>
-            </p:cNvPr>
-            <p:cNvGrpSpPr/>
-            <p:nvPr/>
-          </p:nvGrpSpPr>
-          <p:grpSpPr>
-            <a:xfrm>
-              <a:off x="4823840" y="1952612"/>
-              <a:ext cx="5187048" cy="2748814"/>
-              <a:chOff x="4823840" y="1952612"/>
-              <a:chExt cx="5187048" cy="2748814"/>
-            </a:xfrm>
-          </p:grpSpPr>
-          <p:sp>
-            <p:nvSpPr>
-              <p:cNvPr id="5" name="TextBox 4">
-                <a:extLst>
-                  <a:ext uri="{FF2B5EF4-FFF2-40B4-BE49-F238E27FC236}">
-                    <a16:creationId xmlns:a16="http://schemas.microsoft.com/office/drawing/2014/main" id="{F9E33164-1BA4-440B-ABE2-295F31300486}"/>
-                  </a:ext>
-                </a:extLst>
-              </p:cNvPr>
-              <p:cNvSpPr txBox="1"/>
-              <p:nvPr/>
-            </p:nvSpPr>
-            <p:spPr>
-              <a:xfrm>
-                <a:off x="4823840" y="4163330"/>
-                <a:ext cx="5187048" cy="538096"/>
-              </a:xfrm>
-              <a:prstGeom prst="rect">
-                <a:avLst/>
-              </a:prstGeom>
-              <a:noFill/>
-            </p:spPr>
-            <p:txBody>
-              <a:bodyPr wrap="square" lIns="0" tIns="0" rIns="0" bIns="0" rtlCol="0">
-                <a:spAutoFit/>
-              </a:bodyPr>
-              <a:lstStyle/>
-              <a:p>
-                <a:pPr>
-                  <a:lnSpc>
-                    <a:spcPct val="130000"/>
-                  </a:lnSpc>
-                </a:pPr>
-                <a:r>
-                  <a:rPr lang="en-US" sz="1050" dirty="0">
-                    <a:solidFill>
-                      <a:schemeClr val="tx1">
-                        <a:lumMod val="95000"/>
-                        <a:lumOff val="5000"/>
-                      </a:schemeClr>
-                    </a:solidFill>
-                    <a:latin typeface="Georgia Pro Light" panose="02040302050405020303" pitchFamily="18" charset="0"/>
-                    <a:cs typeface="Segoe UI" panose="020B0502040204020203" pitchFamily="34" charset="0"/>
-                  </a:rPr>
-                  <a:t>This is to certify  &lt;name&gt; has secured &lt;grade&gt; in &lt;event&gt; event conducted on &lt;date&gt; on </a:t>
-                </a:r>
-                <a:r>
-                  <a:rPr lang="en-US" sz="1050" dirty="0" err="1">
-                    <a:solidFill>
-                      <a:schemeClr val="tx1">
-                        <a:lumMod val="95000"/>
-                        <a:lumOff val="5000"/>
-                      </a:schemeClr>
-                    </a:solidFill>
-                    <a:latin typeface="Georgia Pro Light" panose="02040302050405020303" pitchFamily="18" charset="0"/>
-                    <a:cs typeface="Segoe UI" panose="020B0502040204020203" pitchFamily="34" charset="0"/>
-                  </a:rPr>
-                  <a:t>amal</a:t>
-                </a:r>
-                <a:r>
-                  <a:rPr lang="en-US" sz="1050" dirty="0">
-                    <a:solidFill>
-                      <a:schemeClr val="tx1">
-                        <a:lumMod val="95000"/>
-                        <a:lumOff val="5000"/>
-                      </a:schemeClr>
-                    </a:solidFill>
-                    <a:latin typeface="Georgia Pro Light" panose="02040302050405020303" pitchFamily="18" charset="0"/>
-                    <a:cs typeface="Segoe UI" panose="020B0502040204020203" pitchFamily="34" charset="0"/>
-                  </a:rPr>
-                  <a:t> college of advanced studies</a:t>
-                </a:r>
-              </a:p>
-            </p:txBody>
-          </p:sp>
-          <p:sp>
-            <p:nvSpPr>
-              <p:cNvPr id="6" name="TextBox 5">
-                <a:extLst>
-                  <a:ext uri="{FF2B5EF4-FFF2-40B4-BE49-F238E27FC236}">
-                    <a16:creationId xmlns:a16="http://schemas.microsoft.com/office/drawing/2014/main" id="{2DD373F1-E52B-4BB0-8034-92F606D20DEA}"/>
-                  </a:ext>
-                </a:extLst>
-              </p:cNvPr>
-              <p:cNvSpPr txBox="1"/>
-              <p:nvPr/>
-            </p:nvSpPr>
-            <p:spPr>
-              <a:xfrm>
-                <a:off x="4823840" y="3090381"/>
-                <a:ext cx="4673600" cy="862800"/>
-              </a:xfrm>
-              <a:prstGeom prst="rect">
-                <a:avLst/>
-              </a:prstGeom>
-              <a:noFill/>
-            </p:spPr>
-            <p:txBody>
-              <a:bodyPr wrap="square" lIns="0" tIns="0" rIns="0" bIns="0" rtlCol="0" anchor="ctr">
-                <a:spAutoFit/>
-              </a:bodyPr>
-              <a:lstStyle/>
-              <a:p>
-                <a:pPr>
-                  <a:lnSpc>
-                    <a:spcPct val="130000"/>
-                  </a:lnSpc>
-                </a:pPr>
-                <a:r>
-                  <a:rPr lang="en-US" sz="3600" dirty="0">
-                    <a:solidFill>
-                      <a:srgbClr val="D7810F"/>
-                    </a:solidFill>
-                    <a:latin typeface="Georgia" panose="02040502050405020303" pitchFamily="18" charset="0"/>
-                    <a:cs typeface="Segoe UI" panose="020B0502040204020203" pitchFamily="34" charset="0"/>
-                  </a:rPr>
-                  <a:t>&lt;name&gt;</a:t>
-                </a:r>
-              </a:p>
-            </p:txBody>
-          </p:sp>
-          <p:sp>
-            <p:nvSpPr>
-              <p:cNvPr id="7" name="TextBox 6">
-                <a:extLst>
-                  <a:ext uri="{FF2B5EF4-FFF2-40B4-BE49-F238E27FC236}">
-                    <a16:creationId xmlns:a16="http://schemas.microsoft.com/office/drawing/2014/main" id="{89AA0D44-C455-4F53-AC0F-5DD646DE9DC9}"/>
-                  </a:ext>
-                </a:extLst>
-              </p:cNvPr>
-              <p:cNvSpPr txBox="1"/>
-              <p:nvPr/>
-            </p:nvSpPr>
-            <p:spPr>
-              <a:xfrm>
-                <a:off x="4823840" y="2593678"/>
-                <a:ext cx="3195985" cy="287600"/>
-              </a:xfrm>
-              <a:prstGeom prst="rect">
-                <a:avLst/>
-              </a:prstGeom>
-              <a:noFill/>
-            </p:spPr>
-            <p:txBody>
-              <a:bodyPr wrap="square" lIns="0" tIns="0" rIns="0" bIns="0" rtlCol="0">
-                <a:spAutoFit/>
-              </a:bodyPr>
-              <a:lstStyle/>
-              <a:p>
-                <a:pPr>
-                  <a:lnSpc>
-                    <a:spcPct val="130000"/>
-                  </a:lnSpc>
-                </a:pPr>
-                <a:r>
-                  <a:rPr lang="en-US" sz="1200" dirty="0">
-                    <a:solidFill>
-                      <a:schemeClr val="tx1">
-                        <a:lumMod val="85000"/>
-                        <a:lumOff val="15000"/>
-                      </a:schemeClr>
-                    </a:solidFill>
-                    <a:latin typeface="Georgia" panose="02040502050405020303" pitchFamily="18" charset="0"/>
-                    <a:cs typeface="Segoe UI" panose="020B0502040204020203" pitchFamily="34" charset="0"/>
-                  </a:rPr>
-                  <a:t>Proudly Presented To</a:t>
-                </a:r>
-              </a:p>
-            </p:txBody>
-          </p:sp>
-          <p:sp>
-            <p:nvSpPr>
-              <p:cNvPr id="14" name="TextBox 13">
-                <a:extLst>
-                  <a:ext uri="{FF2B5EF4-FFF2-40B4-BE49-F238E27FC236}">
-                    <a16:creationId xmlns:a16="http://schemas.microsoft.com/office/drawing/2014/main" id="{CC333328-4927-45FC-B3B6-58BB0D49322D}"/>
-                  </a:ext>
-                </a:extLst>
-              </p:cNvPr>
-              <p:cNvSpPr txBox="1"/>
-              <p:nvPr/>
-            </p:nvSpPr>
-            <p:spPr>
-              <a:xfrm>
-                <a:off x="4823840" y="1952612"/>
-                <a:ext cx="2479311" cy="430887"/>
-              </a:xfrm>
-              <a:prstGeom prst="rect">
-                <a:avLst/>
-              </a:prstGeom>
-              <a:noFill/>
-            </p:spPr>
-            <p:txBody>
-              <a:bodyPr wrap="none" lIns="0" tIns="0" rIns="0" bIns="0" rtlCol="0">
-                <a:spAutoFit/>
-              </a:bodyPr>
-              <a:lstStyle/>
-              <a:p>
-                <a:r>
-                  <a:rPr lang="en-US" sz="2100" dirty="0">
-                    <a:solidFill>
-                      <a:schemeClr val="tx1">
-                        <a:lumMod val="85000"/>
-                        <a:lumOff val="15000"/>
-                      </a:schemeClr>
-                    </a:solidFill>
-                    <a:latin typeface="Georgia" panose="02040502050405020303" pitchFamily="18" charset="0"/>
-                    <a:cs typeface="Segoe UI" panose="020B0502040204020203" pitchFamily="34" charset="0"/>
-                  </a:rPr>
-                  <a:t>Of achievement</a:t>
-                </a:r>
-              </a:p>
-            </p:txBody>
-          </p:sp>
-        </p:grpSp>
       </p:grpSp>
+      <p:sp>
+        <p:nvSpPr>
+          <p:cNvPr id="29" name="TextBox 28">
+            <a:extLst>
+              <a:ext uri="{FF2B5EF4-FFF2-40B4-BE49-F238E27FC236}">
+                <a16:creationId xmlns:a16="http://schemas.microsoft.com/office/drawing/2014/main" id="{5E56B168-58E3-89A1-06AC-086143572A10}"/>
+              </a:ext>
+            </a:extLst>
+          </p:cNvPr>
+          <p:cNvSpPr txBox="1"/>
+          <p:nvPr/>
+        </p:nvSpPr>
+        <p:spPr>
+          <a:xfrm>
+            <a:off x="2458067" y="373822"/>
+            <a:ext cx="3684833" cy="989528"/>
+          </a:xfrm>
+          <a:prstGeom prst="rect">
+            <a:avLst/>
+          </a:prstGeom>
+          <a:noFill/>
+        </p:spPr>
+        <p:txBody>
+          <a:bodyPr wrap="none" lIns="0" tIns="0" rIns="0" bIns="0" rtlCol="0">
+            <a:spAutoFit/>
+          </a:bodyPr>
+          <a:lstStyle/>
+          <a:p>
+            <a:r>
+              <a:rPr lang="en-US" sz="8625" dirty="0">
+                <a:solidFill>
+                  <a:schemeClr val="tx1">
+                    <a:lumMod val="85000"/>
+                    <a:lumOff val="15000"/>
+                  </a:schemeClr>
+                </a:solidFill>
+                <a:latin typeface="Old English Text MT" panose="03040902040508030806" pitchFamily="66" charset="0"/>
+                <a:cs typeface="Segoe UI" panose="020B0502040204020203" pitchFamily="34" charset="0"/>
+              </a:rPr>
+              <a:t>Certificate</a:t>
+            </a:r>
+          </a:p>
+        </p:txBody>
+      </p:sp>
+      <p:sp>
+        <p:nvSpPr>
+          <p:cNvPr id="31" name="TextBox 30">
+            <a:extLst>
+              <a:ext uri="{FF2B5EF4-FFF2-40B4-BE49-F238E27FC236}">
+                <a16:creationId xmlns:a16="http://schemas.microsoft.com/office/drawing/2014/main" id="{8EF499CE-F411-D8FC-AE7A-E091519E43F9}"/>
+              </a:ext>
+            </a:extLst>
+          </p:cNvPr>
+          <p:cNvSpPr txBox="1"/>
+          <p:nvPr/>
+        </p:nvSpPr>
+        <p:spPr>
+          <a:xfrm>
+            <a:off x="3939920" y="1576645"/>
+            <a:ext cx="1509857" cy="240929"/>
+          </a:xfrm>
+          <a:prstGeom prst="rect">
+            <a:avLst/>
+          </a:prstGeom>
+          <a:noFill/>
+        </p:spPr>
+        <p:txBody>
+          <a:bodyPr wrap="none" lIns="0" tIns="0" rIns="0" bIns="0" rtlCol="0">
+            <a:spAutoFit/>
+          </a:bodyPr>
+          <a:lstStyle/>
+          <a:p>
+            <a:r>
+              <a:rPr lang="en-US" sz="2100" dirty="0">
+                <a:solidFill>
+                  <a:schemeClr val="tx1">
+                    <a:lumMod val="85000"/>
+                    <a:lumOff val="15000"/>
+                  </a:schemeClr>
+                </a:solidFill>
+                <a:latin typeface="Georgia" panose="02040502050405020303" pitchFamily="18" charset="0"/>
+                <a:cs typeface="Segoe UI" panose="020B0502040204020203" pitchFamily="34" charset="0"/>
+              </a:rPr>
+              <a:t>Of achievement</a:t>
+            </a:r>
+          </a:p>
+        </p:txBody>
+      </p:sp>
+      <p:sp>
+        <p:nvSpPr>
+          <p:cNvPr id="34" name="TextBox 33">
+            <a:extLst>
+              <a:ext uri="{FF2B5EF4-FFF2-40B4-BE49-F238E27FC236}">
+                <a16:creationId xmlns:a16="http://schemas.microsoft.com/office/drawing/2014/main" id="{5EF8E778-F5CF-1F17-4A6A-7AFF4CA9FFF8}"/>
+              </a:ext>
+            </a:extLst>
+          </p:cNvPr>
+          <p:cNvSpPr txBox="1"/>
+          <p:nvPr/>
+        </p:nvSpPr>
+        <p:spPr>
+          <a:xfrm>
+            <a:off x="3939920" y="2109158"/>
+            <a:ext cx="2846140" cy="482431"/>
+          </a:xfrm>
+          <a:prstGeom prst="rect">
+            <a:avLst/>
+          </a:prstGeom>
+          <a:noFill/>
+        </p:spPr>
+        <p:txBody>
+          <a:bodyPr wrap="square" lIns="0" tIns="0" rIns="0" bIns="0" rtlCol="0" anchor="ctr">
+            <a:spAutoFit/>
+          </a:bodyPr>
+          <a:lstStyle/>
+          <a:p>
+            <a:pPr>
+              <a:lnSpc>
+                <a:spcPct val="130000"/>
+              </a:lnSpc>
+            </a:pPr>
+            <a:r>
+              <a:rPr lang="en-US" sz="3600" dirty="0">
+                <a:solidFill>
+                  <a:srgbClr val="D7810F"/>
+                </a:solidFill>
+                <a:latin typeface="Georgia" panose="02040502050405020303" pitchFamily="18" charset="0"/>
+                <a:cs typeface="Segoe UI" panose="020B0502040204020203" pitchFamily="34" charset="0"/>
+              </a:rPr>
+              <a:t>SPORTS</a:t>
+            </a:r>
+          </a:p>
+        </p:txBody>
+      </p:sp>
+      <p:sp>
+        <p:nvSpPr>
+          <p:cNvPr id="35" name="TextBox 34">
+            <a:extLst>
+              <a:ext uri="{FF2B5EF4-FFF2-40B4-BE49-F238E27FC236}">
+                <a16:creationId xmlns:a16="http://schemas.microsoft.com/office/drawing/2014/main" id="{C3C30AD8-368D-6442-AB7F-C61E0DEC1DF8}"/>
+              </a:ext>
+            </a:extLst>
+          </p:cNvPr>
+          <p:cNvSpPr txBox="1"/>
+          <p:nvPr/>
+        </p:nvSpPr>
+        <p:spPr>
+          <a:xfrm>
+            <a:off x="3229306" y="3541298"/>
+            <a:ext cx="5799773" cy="615040"/>
+          </a:xfrm>
+          <a:prstGeom prst="rect">
+            <a:avLst/>
+          </a:prstGeom>
+          <a:noFill/>
+        </p:spPr>
+        <p:txBody>
+          <a:bodyPr wrap="square" lIns="0" tIns="0" rIns="0" bIns="0" rtlCol="0">
+            <a:spAutoFit/>
+          </a:bodyPr>
+          <a:lstStyle/>
+          <a:p>
+            <a:pPr>
+              <a:lnSpc>
+                <a:spcPct val="130000"/>
+              </a:lnSpc>
+            </a:pPr>
+            <a:r>
+              <a:rPr lang="en-US" sz="1600" dirty="0">
+                <a:solidFill>
+                  <a:schemeClr val="tx1">
+                    <a:lumMod val="95000"/>
+                    <a:lumOff val="5000"/>
+                  </a:schemeClr>
+                </a:solidFill>
+                <a:latin typeface="Georgia Pro Light" panose="02040302050405020303" pitchFamily="18" charset="0"/>
+                <a:cs typeface="Segoe UI" panose="020B0502040204020203" pitchFamily="34" charset="0"/>
+              </a:rPr>
+              <a:t>This is to certify  &lt;name&gt; has secured &lt;grade&gt; in &lt;event&gt; event conducted on &lt;date&gt; on </a:t>
+            </a:r>
+            <a:r>
+              <a:rPr lang="en-US" sz="1600" dirty="0" err="1">
+                <a:solidFill>
+                  <a:schemeClr val="tx1">
+                    <a:lumMod val="95000"/>
+                    <a:lumOff val="5000"/>
+                  </a:schemeClr>
+                </a:solidFill>
+                <a:latin typeface="Georgia Pro Light" panose="02040302050405020303" pitchFamily="18" charset="0"/>
+                <a:cs typeface="Segoe UI" panose="020B0502040204020203" pitchFamily="34" charset="0"/>
+              </a:rPr>
+              <a:t>amal</a:t>
+            </a:r>
+            <a:r>
+              <a:rPr lang="en-US" sz="1600" dirty="0">
+                <a:solidFill>
+                  <a:schemeClr val="tx1">
+                    <a:lumMod val="95000"/>
+                    <a:lumOff val="5000"/>
+                  </a:schemeClr>
+                </a:solidFill>
+                <a:latin typeface="Georgia Pro Light" panose="02040302050405020303" pitchFamily="18" charset="0"/>
+                <a:cs typeface="Segoe UI" panose="020B0502040204020203" pitchFamily="34" charset="0"/>
+              </a:rPr>
+              <a:t> college of advanced studies</a:t>
+            </a:r>
+          </a:p>
+        </p:txBody>
+      </p:sp>
     </p:spTree>
     <p:extLst>
       <p:ext uri="{BB962C8B-B14F-4D97-AF65-F5344CB8AC3E}">
